--- a/Level A/A3/A3 разбор.pptx
+++ b/Level A/A3/A3 разбор.pptx
@@ -211,7 +211,7 @@
           <a:p>
             <a:fld id="{923A50A4-B68D-486C-AEB1-3FB3DFD6165B}" type="datetimeFigureOut">
               <a:rPr lang="ru-RU" smtClean="0"/>
-              <a:t>11.05.2020</a:t>
+              <a:t>16.05.2020</a:t>
             </a:fld>
             <a:endParaRPr lang="ru-RU"/>
           </a:p>
@@ -947,7 +947,7 @@
           <a:p>
             <a:fld id="{EA0C0817-A112-4847-8014-A94B7D2A4EA3}" type="datetime1">
               <a:rPr lang="en-US" smtClean="0"/>
-              <a:t>5/11/2020</a:t>
+              <a:t>5/16/2020</a:t>
             </a:fld>
             <a:endParaRPr lang="en-US" dirty="0"/>
           </a:p>
@@ -1149,7 +1149,7 @@
           <a:p>
             <a:fld id="{134F40B7-36AB-4376-BE14-EF7004D79BB9}" type="datetime1">
               <a:rPr lang="en-US" smtClean="0"/>
-              <a:t>5/11/2020</a:t>
+              <a:t>5/16/2020</a:t>
             </a:fld>
             <a:endParaRPr lang="en-US"/>
           </a:p>
@@ -1329,7 +1329,7 @@
           <a:p>
             <a:fld id="{FF87CAB8-DCAE-46A5-AADA-B3FAD11A54E0}" type="datetime1">
               <a:rPr lang="en-US" smtClean="0"/>
-              <a:t>5/11/2020</a:t>
+              <a:t>5/16/2020</a:t>
             </a:fld>
             <a:endParaRPr lang="en-US"/>
           </a:p>
@@ -1499,7 +1499,7 @@
           <a:p>
             <a:fld id="{7332B432-ACDA-4023-A761-2BAB76577B62}" type="datetime1">
               <a:rPr lang="en-US" smtClean="0"/>
-              <a:t>5/11/2020</a:t>
+              <a:t>5/16/2020</a:t>
             </a:fld>
             <a:endParaRPr lang="en-US"/>
           </a:p>
@@ -2098,7 +2098,7 @@
           <a:p>
             <a:fld id="{D9C646AA-F36E-4540-911D-FFFC0A0EF24A}" type="datetime1">
               <a:rPr lang="en-US" smtClean="0"/>
-              <a:t>5/11/2020</a:t>
+              <a:t>5/16/2020</a:t>
             </a:fld>
             <a:endParaRPr lang="en-US" dirty="0"/>
           </a:p>
@@ -2418,7 +2418,7 @@
           <a:p>
             <a:fld id="{69186D26-FA5F-4637-B602-B7C2DC34CFD4}" type="datetime1">
               <a:rPr lang="en-US" smtClean="0"/>
-              <a:t>5/11/2020</a:t>
+              <a:t>5/16/2020</a:t>
             </a:fld>
             <a:endParaRPr lang="en-US"/>
           </a:p>
@@ -2853,7 +2853,7 @@
           <a:p>
             <a:fld id="{8A7F15D8-96D1-4781-BC50-CA8A088B2FE4}" type="datetime1">
               <a:rPr lang="en-US" smtClean="0"/>
-              <a:t>5/11/2020</a:t>
+              <a:t>5/16/2020</a:t>
             </a:fld>
             <a:endParaRPr lang="en-US"/>
           </a:p>
@@ -2971,7 +2971,7 @@
           <a:p>
             <a:fld id="{F9A96C99-B8F8-4528-BD05-0E16E943DC09}" type="datetime1">
               <a:rPr lang="en-US" smtClean="0"/>
-              <a:t>5/11/2020</a:t>
+              <a:t>5/16/2020</a:t>
             </a:fld>
             <a:endParaRPr lang="en-US"/>
           </a:p>
@@ -3066,7 +3066,7 @@
           <a:p>
             <a:fld id="{03636942-C211-4B28-8DBD-C953E00AF71B}" type="datetime1">
               <a:rPr lang="en-US" smtClean="0"/>
-              <a:t>5/11/2020</a:t>
+              <a:t>5/16/2020</a:t>
             </a:fld>
             <a:endParaRPr lang="en-US"/>
           </a:p>
@@ -3483,7 +3483,7 @@
           <a:p>
             <a:fld id="{7E8D12A6-918A-48BD-8CB9-CA713993B0EA}" type="datetime1">
               <a:rPr lang="en-US" smtClean="0"/>
-              <a:t>5/11/2020</a:t>
+              <a:t>5/16/2020</a:t>
             </a:fld>
             <a:endParaRPr lang="en-US"/>
           </a:p>
@@ -3745,7 +3745,7 @@
             <a:fld id="{E778CE86-875F-4587-BCF6-FA054AFC0D53}" type="datetime1">
               <a:rPr lang="en-US" smtClean="0"/>
               <a:pPr/>
-              <a:t>5/11/2020</a:t>
+              <a:t>5/16/2020</a:t>
             </a:fld>
             <a:endParaRPr lang="en-US" dirty="0"/>
           </a:p>
@@ -4261,7 +4261,7 @@
           <a:p>
             <a:fld id="{F6FA2B21-3FCD-4721-B95C-427943F61125}" type="datetime1">
               <a:rPr lang="en-US" smtClean="0"/>
-              <a:t>5/11/2020</a:t>
+              <a:t>5/16/2020</a:t>
             </a:fld>
             <a:endParaRPr lang="en-US"/>
           </a:p>
@@ -4972,9 +4972,10 @@
           <a:lstStyle/>
           <a:p>
             <a:r>
-              <a:rPr lang="ru-RU" dirty="0"/>
-              <a:t>Задача третья</a:t>
-            </a:r>
+              <a:rPr lang="ru-RU"/>
+              <a:t>Задача</a:t>
+            </a:r>
+            <a:endParaRPr lang="ru-RU" dirty="0"/>
           </a:p>
         </p:txBody>
       </p:sp>
